--- a/Flowcharts/Flowcharts Q1.pptx
+++ b/Flowcharts/Flowcharts Q1.pptx
@@ -106,6 +106,11 @@
       </a:defRPr>
     </a:lvl9pPr>
   </p:defaultTextStyle>
+  <p:extLst>
+    <p:ext uri="{EFAFB233-063F-42B5-8137-9DF3F51BA10A}">
+      <p15:sldGuideLst xmlns:p15="http://schemas.microsoft.com/office/powerpoint/2012/main"/>
+    </p:ext>
+  </p:extLst>
 </p:presentation>
 </file>
 
@@ -258,7 +263,7 @@
           <a:p>
             <a:fld id="{7C3D4AC0-6D46-4BF3-90A4-CE01864ACC3E}" type="datetimeFigureOut">
               <a:rPr lang="en-ZA" smtClean="0"/>
-              <a:t>2020/02/26</a:t>
+              <a:t>2020/02/27</a:t>
             </a:fld>
             <a:endParaRPr lang="en-ZA"/>
           </a:p>
@@ -458,7 +463,7 @@
           <a:p>
             <a:fld id="{7C3D4AC0-6D46-4BF3-90A4-CE01864ACC3E}" type="datetimeFigureOut">
               <a:rPr lang="en-ZA" smtClean="0"/>
-              <a:t>2020/02/26</a:t>
+              <a:t>2020/02/27</a:t>
             </a:fld>
             <a:endParaRPr lang="en-ZA"/>
           </a:p>
@@ -668,7 +673,7 @@
           <a:p>
             <a:fld id="{7C3D4AC0-6D46-4BF3-90A4-CE01864ACC3E}" type="datetimeFigureOut">
               <a:rPr lang="en-ZA" smtClean="0"/>
-              <a:t>2020/02/26</a:t>
+              <a:t>2020/02/27</a:t>
             </a:fld>
             <a:endParaRPr lang="en-ZA"/>
           </a:p>
@@ -868,7 +873,7 @@
           <a:p>
             <a:fld id="{7C3D4AC0-6D46-4BF3-90A4-CE01864ACC3E}" type="datetimeFigureOut">
               <a:rPr lang="en-ZA" smtClean="0"/>
-              <a:t>2020/02/26</a:t>
+              <a:t>2020/02/27</a:t>
             </a:fld>
             <a:endParaRPr lang="en-ZA"/>
           </a:p>
@@ -1144,7 +1149,7 @@
           <a:p>
             <a:fld id="{7C3D4AC0-6D46-4BF3-90A4-CE01864ACC3E}" type="datetimeFigureOut">
               <a:rPr lang="en-ZA" smtClean="0"/>
-              <a:t>2020/02/26</a:t>
+              <a:t>2020/02/27</a:t>
             </a:fld>
             <a:endParaRPr lang="en-ZA"/>
           </a:p>
@@ -1412,7 +1417,7 @@
           <a:p>
             <a:fld id="{7C3D4AC0-6D46-4BF3-90A4-CE01864ACC3E}" type="datetimeFigureOut">
               <a:rPr lang="en-ZA" smtClean="0"/>
-              <a:t>2020/02/26</a:t>
+              <a:t>2020/02/27</a:t>
             </a:fld>
             <a:endParaRPr lang="en-ZA"/>
           </a:p>
@@ -1827,7 +1832,7 @@
           <a:p>
             <a:fld id="{7C3D4AC0-6D46-4BF3-90A4-CE01864ACC3E}" type="datetimeFigureOut">
               <a:rPr lang="en-ZA" smtClean="0"/>
-              <a:t>2020/02/26</a:t>
+              <a:t>2020/02/27</a:t>
             </a:fld>
             <a:endParaRPr lang="en-ZA"/>
           </a:p>
@@ -1969,7 +1974,7 @@
           <a:p>
             <a:fld id="{7C3D4AC0-6D46-4BF3-90A4-CE01864ACC3E}" type="datetimeFigureOut">
               <a:rPr lang="en-ZA" smtClean="0"/>
-              <a:t>2020/02/26</a:t>
+              <a:t>2020/02/27</a:t>
             </a:fld>
             <a:endParaRPr lang="en-ZA"/>
           </a:p>
@@ -2082,7 +2087,7 @@
           <a:p>
             <a:fld id="{7C3D4AC0-6D46-4BF3-90A4-CE01864ACC3E}" type="datetimeFigureOut">
               <a:rPr lang="en-ZA" smtClean="0"/>
-              <a:t>2020/02/26</a:t>
+              <a:t>2020/02/27</a:t>
             </a:fld>
             <a:endParaRPr lang="en-ZA"/>
           </a:p>
@@ -2395,7 +2400,7 @@
           <a:p>
             <a:fld id="{7C3D4AC0-6D46-4BF3-90A4-CE01864ACC3E}" type="datetimeFigureOut">
               <a:rPr lang="en-ZA" smtClean="0"/>
-              <a:t>2020/02/26</a:t>
+              <a:t>2020/02/27</a:t>
             </a:fld>
             <a:endParaRPr lang="en-ZA"/>
           </a:p>
@@ -2684,7 +2689,7 @@
           <a:p>
             <a:fld id="{7C3D4AC0-6D46-4BF3-90A4-CE01864ACC3E}" type="datetimeFigureOut">
               <a:rPr lang="en-ZA" smtClean="0"/>
-              <a:t>2020/02/26</a:t>
+              <a:t>2020/02/27</a:t>
             </a:fld>
             <a:endParaRPr lang="en-ZA"/>
           </a:p>
@@ -2927,7 +2932,7 @@
           <a:p>
             <a:fld id="{7C3D4AC0-6D46-4BF3-90A4-CE01864ACC3E}" type="datetimeFigureOut">
               <a:rPr lang="en-ZA" smtClean="0"/>
-              <a:t>2020/02/26</a:t>
+              <a:t>2020/02/27</a:t>
             </a:fld>
             <a:endParaRPr lang="en-ZA"/>
           </a:p>
@@ -3454,16 +3459,16 @@
           <a:p>
             <a:pPr algn="ctr"/>
             <a:r>
-              <a:rPr lang="en-US" sz="1200" dirty="0">
+              <a:rPr lang="en-US" sz="1100" dirty="0">
                 <a:solidFill>
                   <a:schemeClr val="dk1"/>
                 </a:solidFill>
                 <a:latin typeface="Times New Roman" panose="02020603050405020304" pitchFamily="18" charset="0"/>
                 <a:cs typeface="Times New Roman" panose="02020603050405020304" pitchFamily="18" charset="0"/>
               </a:rPr>
-              <a:t>Prepare basic geometry in NX 12</a:t>
-            </a:r>
-            <a:endParaRPr lang="en-ZA" sz="1200" dirty="0">
+              <a:t>1. Prepare basic geometry in NX 12</a:t>
+            </a:r>
+            <a:endParaRPr lang="en-ZA" sz="1100" dirty="0">
               <a:solidFill>
                 <a:schemeClr val="dk1"/>
               </a:solidFill>
@@ -3487,7 +3492,7 @@
         </p:nvSpPr>
         <p:spPr>
           <a:xfrm>
-            <a:off x="2815913" y="196889"/>
+            <a:off x="3403834" y="196735"/>
             <a:ext cx="914400" cy="612648"/>
           </a:xfrm>
           <a:prstGeom prst="flowChartInputOutput">
@@ -3531,7 +3536,7 @@
                 <a:latin typeface="Times New Roman" panose="02020603050405020304" pitchFamily="18" charset="0"/>
                 <a:cs typeface="Times New Roman" panose="02020603050405020304" pitchFamily="18" charset="0"/>
               </a:rPr>
-              <a:t>IGES file</a:t>
+              <a:t>2. IGES file</a:t>
             </a:r>
             <a:endParaRPr lang="en-ZA" sz="1200" dirty="0">
               <a:solidFill>
@@ -3557,7 +3562,7 @@
         </p:nvSpPr>
         <p:spPr>
           <a:xfrm>
-            <a:off x="4152564" y="196889"/>
+            <a:off x="5328406" y="196889"/>
             <a:ext cx="1434515" cy="612648"/>
           </a:xfrm>
           <a:prstGeom prst="flowChartPredefinedProcess">
@@ -3601,7 +3606,7 @@
                 <a:latin typeface="Times New Roman" panose="02020603050405020304" pitchFamily="18" charset="0"/>
                 <a:cs typeface="Times New Roman" panose="02020603050405020304" pitchFamily="18" charset="0"/>
               </a:rPr>
-              <a:t>Prepare geometry in Marc </a:t>
+              <a:t>3. Prepare geometry in Marc </a:t>
             </a:r>
             <a:r>
               <a:rPr lang="en-US" sz="1200" dirty="0" err="1">
@@ -3637,7 +3642,7 @@
         </p:nvSpPr>
         <p:spPr>
           <a:xfrm>
-            <a:off x="6009330" y="196889"/>
+            <a:off x="959147" y="1350473"/>
             <a:ext cx="1434516" cy="612648"/>
           </a:xfrm>
           <a:prstGeom prst="flowChartPredefinedProcess">
@@ -3678,7 +3683,7 @@
                 <a:latin typeface="Times New Roman" panose="02020603050405020304" pitchFamily="18" charset="0"/>
                 <a:cs typeface="Times New Roman" panose="02020603050405020304" pitchFamily="18" charset="0"/>
               </a:rPr>
-              <a:t>Randomly delete internal element(s)</a:t>
+              <a:t>4. Randomly delete internal element(s)</a:t>
             </a:r>
             <a:endParaRPr lang="en-ZA" sz="1200" dirty="0">
               <a:solidFill>
@@ -3704,7 +3709,7 @@
         </p:nvSpPr>
         <p:spPr>
           <a:xfrm>
-            <a:off x="959146" y="1974889"/>
+            <a:off x="5328406" y="1355135"/>
             <a:ext cx="1434516" cy="612648"/>
           </a:xfrm>
           <a:prstGeom prst="flowChartPredefinedProcess">
@@ -3745,7 +3750,7 @@
                 <a:latin typeface="Times New Roman" panose="02020603050405020304" pitchFamily="18" charset="0"/>
                 <a:cs typeface="Times New Roman" panose="02020603050405020304" pitchFamily="18" charset="0"/>
               </a:rPr>
-              <a:t>Run non-linear simulation</a:t>
+              <a:t>6. Run non-linear simulation</a:t>
             </a:r>
             <a:endParaRPr lang="en-ZA" sz="1200" dirty="0">
               <a:solidFill>
@@ -3771,7 +3776,7 @@
         </p:nvSpPr>
         <p:spPr>
           <a:xfrm>
-            <a:off x="2815913" y="1974889"/>
+            <a:off x="5328405" y="2513381"/>
             <a:ext cx="1434516" cy="612648"/>
           </a:xfrm>
           <a:prstGeom prst="flowChartPredefinedProcess">
@@ -3812,7 +3817,7 @@
                 <a:latin typeface="Times New Roman" panose="02020603050405020304" pitchFamily="18" charset="0"/>
                 <a:cs typeface="Times New Roman" panose="02020603050405020304" pitchFamily="18" charset="0"/>
               </a:rPr>
-              <a:t>Verify and interpret results</a:t>
+              <a:t>7. Verify and interpret results</a:t>
             </a:r>
             <a:endParaRPr lang="en-ZA" sz="1200" dirty="0">
               <a:solidFill>
@@ -3838,7 +3843,7 @@
         </p:nvSpPr>
         <p:spPr>
           <a:xfrm>
-            <a:off x="6529445" y="1740123"/>
+            <a:off x="2815914" y="3436583"/>
             <a:ext cx="2090241" cy="1082180"/>
           </a:xfrm>
           <a:prstGeom prst="flowChartDecision">
@@ -3882,7 +3887,7 @@
                 <a:latin typeface="Times New Roman" panose="02020603050405020304" pitchFamily="18" charset="0"/>
                 <a:cs typeface="Times New Roman" panose="02020603050405020304" pitchFamily="18" charset="0"/>
               </a:rPr>
-              <a:t>All possible internal geometries tested?</a:t>
+              <a:t>9. All possible internal geometries tested?</a:t>
             </a:r>
             <a:endParaRPr lang="en-ZA" sz="1200" dirty="0">
               <a:solidFill>
@@ -3908,7 +3913,7 @@
         </p:nvSpPr>
         <p:spPr>
           <a:xfrm>
-            <a:off x="4672679" y="1974889"/>
+            <a:off x="3143776" y="2513242"/>
             <a:ext cx="1434516" cy="612648"/>
           </a:xfrm>
           <a:prstGeom prst="flowChartDocument">
@@ -3949,7 +3954,7 @@
                 <a:latin typeface="Times New Roman" panose="02020603050405020304" pitchFamily="18" charset="0"/>
                 <a:cs typeface="Times New Roman" panose="02020603050405020304" pitchFamily="18" charset="0"/>
               </a:rPr>
-              <a:t>Useful and meaningful results</a:t>
+              <a:t>8. Useful and meaningful results</a:t>
             </a:r>
             <a:endParaRPr lang="en-ZA" sz="1200" dirty="0">
               <a:solidFill>
@@ -3975,7 +3980,7 @@
         </p:nvSpPr>
         <p:spPr>
           <a:xfrm>
-            <a:off x="7866097" y="-37877"/>
+            <a:off x="2815914" y="1115861"/>
             <a:ext cx="2090241" cy="1082180"/>
           </a:xfrm>
           <a:prstGeom prst="flowChartDecision">
@@ -4019,7 +4024,7 @@
                 <a:latin typeface="Times New Roman" panose="02020603050405020304" pitchFamily="18" charset="0"/>
                 <a:cs typeface="Times New Roman" panose="02020603050405020304" pitchFamily="18" charset="0"/>
               </a:rPr>
-              <a:t>Internal geometry already tested?</a:t>
+              <a:t>5. Internal geometry already tested?</a:t>
             </a:r>
             <a:endParaRPr lang="en-ZA" sz="1200" dirty="0">
               <a:solidFill>
@@ -4092,9 +4097,9 @@
           <p:nvPr/>
         </p:nvCxnSpPr>
         <p:spPr>
-          <a:xfrm>
-            <a:off x="2393662" y="503213"/>
-            <a:ext cx="513691" cy="0"/>
+          <a:xfrm flipV="1">
+            <a:off x="2393662" y="503059"/>
+            <a:ext cx="1101612" cy="154"/>
           </a:xfrm>
           <a:prstGeom prst="straightConnector1">
             <a:avLst/>
@@ -4138,8 +4143,8 @@
         </p:nvCxnSpPr>
         <p:spPr>
           <a:xfrm>
-            <a:off x="3638873" y="503213"/>
-            <a:ext cx="513691" cy="0"/>
+            <a:off x="4226794" y="503059"/>
+            <a:ext cx="1101612" cy="154"/>
           </a:xfrm>
           <a:prstGeom prst="straightConnector1">
             <a:avLst/>
@@ -4168,23 +4173,23 @@
       </p:cxnSp>
       <p:cxnSp>
         <p:nvCxnSpPr>
-          <p:cNvPr id="25" name="Straight Arrow Connector 24">
-            <a:extLst>
-              <a:ext uri="{FF2B5EF4-FFF2-40B4-BE49-F238E27FC236}">
-                <a16:creationId xmlns:a16="http://schemas.microsoft.com/office/drawing/2014/main" id="{64EBC096-6F55-4AC4-B507-F77EE0B5B2C1}"/>
+          <p:cNvPr id="27" name="Straight Arrow Connector 26">
+            <a:extLst>
+              <a:ext uri="{FF2B5EF4-FFF2-40B4-BE49-F238E27FC236}">
+                <a16:creationId xmlns:a16="http://schemas.microsoft.com/office/drawing/2014/main" id="{41B32368-91E3-4299-BC92-B39776004596}"/>
               </a:ext>
             </a:extLst>
           </p:cNvPr>
           <p:cNvCxnSpPr>
-            <a:stCxn id="11" idx="3"/>
-            <a:endCxn id="12" idx="1"/>
+            <a:stCxn id="12" idx="3"/>
+            <a:endCxn id="17" idx="1"/>
           </p:cNvCxnSpPr>
           <p:nvPr/>
         </p:nvCxnSpPr>
         <p:spPr>
           <a:xfrm>
-            <a:off x="5587079" y="503213"/>
-            <a:ext cx="422251" cy="0"/>
+            <a:off x="2393663" y="1656797"/>
+            <a:ext cx="422251" cy="154"/>
           </a:xfrm>
           <a:prstGeom prst="straightConnector1">
             <a:avLst/>
@@ -4213,23 +4218,71 @@
       </p:cxnSp>
       <p:cxnSp>
         <p:nvCxnSpPr>
-          <p:cNvPr id="27" name="Straight Arrow Connector 26">
-            <a:extLst>
-              <a:ext uri="{FF2B5EF4-FFF2-40B4-BE49-F238E27FC236}">
-                <a16:creationId xmlns:a16="http://schemas.microsoft.com/office/drawing/2014/main" id="{41B32368-91E3-4299-BC92-B39776004596}"/>
+          <p:cNvPr id="29" name="Connector: Elbow 28">
+            <a:extLst>
+              <a:ext uri="{FF2B5EF4-FFF2-40B4-BE49-F238E27FC236}">
+                <a16:creationId xmlns:a16="http://schemas.microsoft.com/office/drawing/2014/main" id="{711F4018-C9BA-45BA-A5C5-06B132FA3839}"/>
               </a:ext>
             </a:extLst>
           </p:cNvPr>
           <p:cNvCxnSpPr>
-            <a:stCxn id="12" idx="3"/>
-            <a:endCxn id="17" idx="1"/>
+            <a:stCxn id="17" idx="2"/>
+            <a:endCxn id="12" idx="2"/>
           </p:cNvCxnSpPr>
           <p:nvPr/>
         </p:nvCxnSpPr>
         <p:spPr>
-          <a:xfrm>
-            <a:off x="7443846" y="503213"/>
-            <a:ext cx="422251" cy="0"/>
+          <a:xfrm rot="5400000" flipH="1">
+            <a:off x="2651260" y="988266"/>
+            <a:ext cx="234920" cy="2184630"/>
+          </a:xfrm>
+          <a:prstGeom prst="bentConnector3">
+            <a:avLst>
+              <a:gd name="adj1" fmla="val -54458"/>
+            </a:avLst>
+          </a:prstGeom>
+          <a:ln>
+            <a:solidFill>
+              <a:schemeClr val="tx1"/>
+            </a:solidFill>
+            <a:tailEnd type="triangle"/>
+          </a:ln>
+        </p:spPr>
+        <p:style>
+          <a:lnRef idx="1">
+            <a:schemeClr val="accent1"/>
+          </a:lnRef>
+          <a:fillRef idx="0">
+            <a:schemeClr val="accent1"/>
+          </a:fillRef>
+          <a:effectRef idx="0">
+            <a:schemeClr val="accent1"/>
+          </a:effectRef>
+          <a:fontRef idx="minor">
+            <a:schemeClr val="tx1"/>
+          </a:fontRef>
+        </p:style>
+      </p:cxnSp>
+      <p:cxnSp>
+        <p:nvCxnSpPr>
+          <p:cNvPr id="35" name="Straight Arrow Connector 34">
+            <a:extLst>
+              <a:ext uri="{FF2B5EF4-FFF2-40B4-BE49-F238E27FC236}">
+                <a16:creationId xmlns:a16="http://schemas.microsoft.com/office/drawing/2014/main" id="{1EDCC39F-113C-4AE9-9CDF-C83854002840}"/>
+              </a:ext>
+            </a:extLst>
+          </p:cNvPr>
+          <p:cNvCxnSpPr>
+            <a:cxnSpLocks/>
+            <a:stCxn id="14" idx="1"/>
+            <a:endCxn id="16" idx="3"/>
+          </p:cNvCxnSpPr>
+          <p:nvPr/>
+        </p:nvCxnSpPr>
+        <p:spPr>
+          <a:xfrm flipH="1" flipV="1">
+            <a:off x="4578292" y="2819566"/>
+            <a:ext cx="750113" cy="139"/>
           </a:xfrm>
           <a:prstGeom prst="straightConnector1">
             <a:avLst/>
@@ -4258,119 +4311,24 @@
       </p:cxnSp>
       <p:cxnSp>
         <p:nvCxnSpPr>
-          <p:cNvPr id="29" name="Connector: Elbow 28">
-            <a:extLst>
-              <a:ext uri="{FF2B5EF4-FFF2-40B4-BE49-F238E27FC236}">
-                <a16:creationId xmlns:a16="http://schemas.microsoft.com/office/drawing/2014/main" id="{711F4018-C9BA-45BA-A5C5-06B132FA3839}"/>
+          <p:cNvPr id="37" name="Straight Arrow Connector 36">
+            <a:extLst>
+              <a:ext uri="{FF2B5EF4-FFF2-40B4-BE49-F238E27FC236}">
+                <a16:creationId xmlns:a16="http://schemas.microsoft.com/office/drawing/2014/main" id="{71ED04A2-FA31-4F38-B1BC-2F98BDA99014}"/>
               </a:ext>
             </a:extLst>
           </p:cNvPr>
           <p:cNvCxnSpPr>
-            <a:stCxn id="17" idx="2"/>
-            <a:endCxn id="12" idx="2"/>
+            <a:cxnSpLocks/>
+            <a:stCxn id="16" idx="2"/>
+            <a:endCxn id="15" idx="0"/>
           </p:cNvCxnSpPr>
           <p:nvPr/>
         </p:nvCxnSpPr>
         <p:spPr>
-          <a:xfrm rot="5400000" flipH="1">
-            <a:off x="7701520" y="-165395"/>
-            <a:ext cx="234766" cy="2184630"/>
-          </a:xfrm>
-          <a:prstGeom prst="bentConnector3">
-            <a:avLst>
-              <a:gd name="adj1" fmla="val -97374"/>
-            </a:avLst>
-          </a:prstGeom>
-          <a:ln>
-            <a:solidFill>
-              <a:schemeClr val="tx1"/>
-            </a:solidFill>
-            <a:tailEnd type="triangle"/>
-          </a:ln>
-        </p:spPr>
-        <p:style>
-          <a:lnRef idx="1">
-            <a:schemeClr val="accent1"/>
-          </a:lnRef>
-          <a:fillRef idx="0">
-            <a:schemeClr val="accent1"/>
-          </a:fillRef>
-          <a:effectRef idx="0">
-            <a:schemeClr val="accent1"/>
-          </a:effectRef>
-          <a:fontRef idx="minor">
-            <a:schemeClr val="tx1"/>
-          </a:fontRef>
-        </p:style>
-      </p:cxnSp>
-      <p:cxnSp>
-        <p:nvCxnSpPr>
-          <p:cNvPr id="31" name="Connector: Elbow 30">
-            <a:extLst>
-              <a:ext uri="{FF2B5EF4-FFF2-40B4-BE49-F238E27FC236}">
-                <a16:creationId xmlns:a16="http://schemas.microsoft.com/office/drawing/2014/main" id="{1979F5BA-9F74-41AB-9022-5A8224037294}"/>
-              </a:ext>
-            </a:extLst>
-          </p:cNvPr>
-          <p:cNvCxnSpPr>
-            <a:stCxn id="17" idx="3"/>
-            <a:endCxn id="13" idx="1"/>
-          </p:cNvCxnSpPr>
-          <p:nvPr/>
-        </p:nvCxnSpPr>
-        <p:spPr>
-          <a:xfrm flipH="1">
-            <a:off x="959146" y="503213"/>
-            <a:ext cx="8997192" cy="1778000"/>
-          </a:xfrm>
-          <a:prstGeom prst="bentConnector5">
-            <a:avLst>
-              <a:gd name="adj1" fmla="val -2541"/>
-              <a:gd name="adj2" fmla="val 56602"/>
-              <a:gd name="adj3" fmla="val 102541"/>
-            </a:avLst>
-          </a:prstGeom>
-          <a:ln>
-            <a:solidFill>
-              <a:schemeClr val="tx1"/>
-            </a:solidFill>
-            <a:tailEnd type="triangle"/>
-          </a:ln>
-        </p:spPr>
-        <p:style>
-          <a:lnRef idx="1">
-            <a:schemeClr val="accent1"/>
-          </a:lnRef>
-          <a:fillRef idx="0">
-            <a:schemeClr val="accent1"/>
-          </a:fillRef>
-          <a:effectRef idx="0">
-            <a:schemeClr val="accent1"/>
-          </a:effectRef>
-          <a:fontRef idx="minor">
-            <a:schemeClr val="tx1"/>
-          </a:fontRef>
-        </p:style>
-      </p:cxnSp>
-      <p:cxnSp>
-        <p:nvCxnSpPr>
-          <p:cNvPr id="33" name="Straight Arrow Connector 32">
-            <a:extLst>
-              <a:ext uri="{FF2B5EF4-FFF2-40B4-BE49-F238E27FC236}">
-                <a16:creationId xmlns:a16="http://schemas.microsoft.com/office/drawing/2014/main" id="{AB55CE0F-FE43-4178-A5E4-26D04B0147AD}"/>
-              </a:ext>
-            </a:extLst>
-          </p:cNvPr>
-          <p:cNvCxnSpPr>
-            <a:stCxn id="13" idx="3"/>
-            <a:endCxn id="14" idx="1"/>
-          </p:cNvCxnSpPr>
-          <p:nvPr/>
-        </p:nvCxnSpPr>
-        <p:spPr>
-          <a:xfrm>
-            <a:off x="2393662" y="2281213"/>
-            <a:ext cx="422251" cy="0"/>
+          <a:xfrm>
+            <a:off x="3861034" y="3085387"/>
+            <a:ext cx="1" cy="351196"/>
           </a:xfrm>
           <a:prstGeom prst="straightConnector1">
             <a:avLst/>
@@ -4397,26 +4355,84 @@
           </a:fontRef>
         </p:style>
       </p:cxnSp>
+      <p:sp>
+        <p:nvSpPr>
+          <p:cNvPr id="38" name="Flowchart: Terminator 37">
+            <a:extLst>
+              <a:ext uri="{FF2B5EF4-FFF2-40B4-BE49-F238E27FC236}">
+                <a16:creationId xmlns:a16="http://schemas.microsoft.com/office/drawing/2014/main" id="{459EB4C5-6CA9-4B3E-B495-EF0488B23F64}"/>
+              </a:ext>
+            </a:extLst>
+          </p:cNvPr>
+          <p:cNvSpPr/>
+          <p:nvPr/>
+        </p:nvSpPr>
+        <p:spPr>
+          <a:xfrm>
+            <a:off x="5777215" y="3826797"/>
+            <a:ext cx="536895" cy="301752"/>
+          </a:xfrm>
+          <a:prstGeom prst="flowChartTerminator">
+            <a:avLst/>
+          </a:prstGeom>
+          <a:ln>
+            <a:solidFill>
+              <a:schemeClr val="tx1"/>
+            </a:solidFill>
+          </a:ln>
+        </p:spPr>
+        <p:style>
+          <a:lnRef idx="2">
+            <a:schemeClr val="dk1"/>
+          </a:lnRef>
+          <a:fillRef idx="1">
+            <a:schemeClr val="lt1"/>
+          </a:fillRef>
+          <a:effectRef idx="0">
+            <a:schemeClr val="dk1"/>
+          </a:effectRef>
+          <a:fontRef idx="minor">
+            <a:schemeClr val="dk1"/>
+          </a:fontRef>
+        </p:style>
+        <p:txBody>
+          <a:bodyPr rtlCol="0" anchor="ctr"/>
+          <a:lstStyle/>
+          <a:p>
+            <a:pPr algn="ctr"/>
+            <a:r>
+              <a:rPr lang="en-US" sz="1200" dirty="0">
+                <a:latin typeface="Times New Roman" panose="02020603050405020304" pitchFamily="18" charset="0"/>
+                <a:cs typeface="Times New Roman" panose="02020603050405020304" pitchFamily="18" charset="0"/>
+              </a:rPr>
+              <a:t>End</a:t>
+            </a:r>
+            <a:endParaRPr lang="en-ZA" sz="1200" dirty="0">
+              <a:latin typeface="Times New Roman" panose="02020603050405020304" pitchFamily="18" charset="0"/>
+              <a:cs typeface="Times New Roman" panose="02020603050405020304" pitchFamily="18" charset="0"/>
+            </a:endParaRPr>
+          </a:p>
+        </p:txBody>
+      </p:sp>
       <p:cxnSp>
         <p:nvCxnSpPr>
-          <p:cNvPr id="35" name="Straight Arrow Connector 34">
-            <a:extLst>
-              <a:ext uri="{FF2B5EF4-FFF2-40B4-BE49-F238E27FC236}">
-                <a16:creationId xmlns:a16="http://schemas.microsoft.com/office/drawing/2014/main" id="{1EDCC39F-113C-4AE9-9CDF-C83854002840}"/>
+          <p:cNvPr id="40" name="Straight Arrow Connector 39">
+            <a:extLst>
+              <a:ext uri="{FF2B5EF4-FFF2-40B4-BE49-F238E27FC236}">
+                <a16:creationId xmlns:a16="http://schemas.microsoft.com/office/drawing/2014/main" id="{A8372EE6-B549-465B-A6EA-AB1CF120B89F}"/>
               </a:ext>
             </a:extLst>
           </p:cNvPr>
           <p:cNvCxnSpPr>
-            <a:cxnSpLocks/>
-            <a:stCxn id="14" idx="3"/>
-            <a:endCxn id="16" idx="1"/>
+            <a:stCxn id="15" idx="3"/>
+            <a:endCxn id="38" idx="1"/>
           </p:cNvCxnSpPr>
           <p:nvPr/>
         </p:nvCxnSpPr>
         <p:spPr>
           <a:xfrm>
-            <a:off x="4250429" y="2281213"/>
-            <a:ext cx="422250" cy="0"/>
+            <a:off x="4906155" y="3977673"/>
+            <a:ext cx="871060" cy="0"/>
           </a:xfrm>
           <a:prstGeom prst="straightConnector1">
             <a:avLst/>
@@ -4445,24 +4461,121 @@
       </p:cxnSp>
       <p:cxnSp>
         <p:nvCxnSpPr>
-          <p:cNvPr id="37" name="Straight Arrow Connector 36">
-            <a:extLst>
-              <a:ext uri="{FF2B5EF4-FFF2-40B4-BE49-F238E27FC236}">
-                <a16:creationId xmlns:a16="http://schemas.microsoft.com/office/drawing/2014/main" id="{71ED04A2-FA31-4F38-B1BC-2F98BDA99014}"/>
+          <p:cNvPr id="44" name="Connector: Elbow 43">
+            <a:extLst>
+              <a:ext uri="{FF2B5EF4-FFF2-40B4-BE49-F238E27FC236}">
+                <a16:creationId xmlns:a16="http://schemas.microsoft.com/office/drawing/2014/main" id="{258355CA-84AD-4E1E-B6CA-C8ABA3B5C4E1}"/>
               </a:ext>
             </a:extLst>
           </p:cNvPr>
           <p:cNvCxnSpPr>
-            <a:cxnSpLocks/>
-            <a:stCxn id="16" idx="3"/>
-            <a:endCxn id="15" idx="1"/>
+            <a:stCxn id="15" idx="2"/>
+            <a:endCxn id="12" idx="2"/>
           </p:cNvCxnSpPr>
           <p:nvPr/>
         </p:nvCxnSpPr>
         <p:spPr>
-          <a:xfrm>
-            <a:off x="6107195" y="2281213"/>
-            <a:ext cx="422250" cy="0"/>
+          <a:xfrm rot="5400000" flipH="1">
+            <a:off x="1490899" y="2148627"/>
+            <a:ext cx="2555642" cy="2184630"/>
+          </a:xfrm>
+          <a:prstGeom prst="bentConnector3">
+            <a:avLst>
+              <a:gd name="adj1" fmla="val -8945"/>
+            </a:avLst>
+          </a:prstGeom>
+          <a:ln>
+            <a:solidFill>
+              <a:schemeClr val="tx1"/>
+            </a:solidFill>
+            <a:tailEnd type="triangle"/>
+          </a:ln>
+        </p:spPr>
+        <p:style>
+          <a:lnRef idx="1">
+            <a:schemeClr val="accent1"/>
+          </a:lnRef>
+          <a:fillRef idx="0">
+            <a:schemeClr val="accent1"/>
+          </a:fillRef>
+          <a:effectRef idx="0">
+            <a:schemeClr val="accent1"/>
+          </a:effectRef>
+          <a:fontRef idx="minor">
+            <a:schemeClr val="tx1"/>
+          </a:fontRef>
+        </p:style>
+      </p:cxnSp>
+      <p:cxnSp>
+        <p:nvCxnSpPr>
+          <p:cNvPr id="45" name="Connector: Elbow 44">
+            <a:extLst>
+              <a:ext uri="{FF2B5EF4-FFF2-40B4-BE49-F238E27FC236}">
+                <a16:creationId xmlns:a16="http://schemas.microsoft.com/office/drawing/2014/main" id="{ADACD6E2-C1A8-4DCB-9CB1-6A0EA3A0D44B}"/>
+              </a:ext>
+            </a:extLst>
+          </p:cNvPr>
+          <p:cNvCxnSpPr>
+            <a:cxnSpLocks/>
+            <a:stCxn id="11" idx="3"/>
+            <a:endCxn id="12" idx="1"/>
+          </p:cNvCxnSpPr>
+          <p:nvPr/>
+        </p:nvCxnSpPr>
+        <p:spPr>
+          <a:xfrm flipH="1">
+            <a:off x="959147" y="503213"/>
+            <a:ext cx="5803774" cy="1153584"/>
+          </a:xfrm>
+          <a:prstGeom prst="bentConnector5">
+            <a:avLst>
+              <a:gd name="adj1" fmla="val -3939"/>
+              <a:gd name="adj2" fmla="val 42728"/>
+              <a:gd name="adj3" fmla="val 103939"/>
+            </a:avLst>
+          </a:prstGeom>
+          <a:ln>
+            <a:solidFill>
+              <a:schemeClr val="tx1"/>
+            </a:solidFill>
+            <a:tailEnd type="triangle"/>
+          </a:ln>
+        </p:spPr>
+        <p:style>
+          <a:lnRef idx="1">
+            <a:schemeClr val="accent1"/>
+          </a:lnRef>
+          <a:fillRef idx="0">
+            <a:schemeClr val="accent1"/>
+          </a:fillRef>
+          <a:effectRef idx="0">
+            <a:schemeClr val="accent1"/>
+          </a:effectRef>
+          <a:fontRef idx="minor">
+            <a:schemeClr val="tx1"/>
+          </a:fontRef>
+        </p:style>
+      </p:cxnSp>
+      <p:cxnSp>
+        <p:nvCxnSpPr>
+          <p:cNvPr id="51" name="Straight Arrow Connector 50">
+            <a:extLst>
+              <a:ext uri="{FF2B5EF4-FFF2-40B4-BE49-F238E27FC236}">
+                <a16:creationId xmlns:a16="http://schemas.microsoft.com/office/drawing/2014/main" id="{B6D7CEC0-CAFC-4642-9712-A1A527BC88E3}"/>
+              </a:ext>
+            </a:extLst>
+          </p:cNvPr>
+          <p:cNvCxnSpPr>
+            <a:cxnSpLocks/>
+            <a:stCxn id="17" idx="3"/>
+            <a:endCxn id="13" idx="1"/>
+          </p:cNvCxnSpPr>
+          <p:nvPr/>
+        </p:nvCxnSpPr>
+        <p:spPr>
+          <a:xfrm>
+            <a:off x="4906155" y="1656951"/>
+            <a:ext cx="422251" cy="4508"/>
           </a:xfrm>
           <a:prstGeom prst="straightConnector1">
             <a:avLst/>
@@ -4489,135 +4602,30 @@
           </a:fontRef>
         </p:style>
       </p:cxnSp>
-      <p:sp>
-        <p:nvSpPr>
-          <p:cNvPr id="38" name="Flowchart: Terminator 37">
-            <a:extLst>
-              <a:ext uri="{FF2B5EF4-FFF2-40B4-BE49-F238E27FC236}">
-                <a16:creationId xmlns:a16="http://schemas.microsoft.com/office/drawing/2014/main" id="{459EB4C5-6CA9-4B3E-B495-EF0488B23F64}"/>
-              </a:ext>
-            </a:extLst>
-          </p:cNvPr>
-          <p:cNvSpPr/>
-          <p:nvPr/>
-        </p:nvSpPr>
-        <p:spPr>
-          <a:xfrm>
-            <a:off x="9037391" y="2130337"/>
-            <a:ext cx="536895" cy="301752"/>
-          </a:xfrm>
-          <a:prstGeom prst="flowChartTerminator">
-            <a:avLst/>
-          </a:prstGeom>
-          <a:ln>
-            <a:solidFill>
-              <a:schemeClr val="tx1"/>
-            </a:solidFill>
-          </a:ln>
-        </p:spPr>
-        <p:style>
-          <a:lnRef idx="2">
-            <a:schemeClr val="dk1"/>
-          </a:lnRef>
-          <a:fillRef idx="1">
-            <a:schemeClr val="lt1"/>
-          </a:fillRef>
-          <a:effectRef idx="0">
-            <a:schemeClr val="dk1"/>
-          </a:effectRef>
-          <a:fontRef idx="minor">
-            <a:schemeClr val="dk1"/>
-          </a:fontRef>
-        </p:style>
-        <p:txBody>
-          <a:bodyPr rtlCol="0" anchor="ctr"/>
-          <a:lstStyle/>
-          <a:p>
-            <a:pPr algn="ctr"/>
-            <a:r>
-              <a:rPr lang="en-US" sz="1200" dirty="0">
-                <a:latin typeface="Times New Roman" panose="02020603050405020304" pitchFamily="18" charset="0"/>
-                <a:cs typeface="Times New Roman" panose="02020603050405020304" pitchFamily="18" charset="0"/>
-              </a:rPr>
-              <a:t>End</a:t>
-            </a:r>
-            <a:endParaRPr lang="en-ZA" sz="1200" dirty="0">
-              <a:latin typeface="Times New Roman" panose="02020603050405020304" pitchFamily="18" charset="0"/>
-              <a:cs typeface="Times New Roman" panose="02020603050405020304" pitchFamily="18" charset="0"/>
-            </a:endParaRPr>
-          </a:p>
-        </p:txBody>
-      </p:sp>
       <p:cxnSp>
         <p:nvCxnSpPr>
-          <p:cNvPr id="40" name="Straight Arrow Connector 39">
-            <a:extLst>
-              <a:ext uri="{FF2B5EF4-FFF2-40B4-BE49-F238E27FC236}">
-                <a16:creationId xmlns:a16="http://schemas.microsoft.com/office/drawing/2014/main" id="{A8372EE6-B549-465B-A6EA-AB1CF120B89F}"/>
+          <p:cNvPr id="56" name="Connector: Elbow 55">
+            <a:extLst>
+              <a:ext uri="{FF2B5EF4-FFF2-40B4-BE49-F238E27FC236}">
+                <a16:creationId xmlns:a16="http://schemas.microsoft.com/office/drawing/2014/main" id="{0FE803CA-0312-4563-A1FE-6AA74D1689B5}"/>
               </a:ext>
             </a:extLst>
           </p:cNvPr>
           <p:cNvCxnSpPr>
-            <a:stCxn id="15" idx="3"/>
-            <a:endCxn id="38" idx="1"/>
+            <a:cxnSpLocks/>
+            <a:stCxn id="13" idx="3"/>
+            <a:endCxn id="14" idx="3"/>
           </p:cNvCxnSpPr>
           <p:nvPr/>
         </p:nvCxnSpPr>
         <p:spPr>
-          <a:xfrm>
-            <a:off x="8619686" y="2281213"/>
-            <a:ext cx="417705" cy="0"/>
-          </a:xfrm>
-          <a:prstGeom prst="straightConnector1">
-            <a:avLst/>
-          </a:prstGeom>
-          <a:ln>
-            <a:solidFill>
-              <a:schemeClr val="tx1"/>
-            </a:solidFill>
-            <a:tailEnd type="triangle"/>
-          </a:ln>
-        </p:spPr>
-        <p:style>
-          <a:lnRef idx="1">
-            <a:schemeClr val="accent1"/>
-          </a:lnRef>
-          <a:fillRef idx="0">
-            <a:schemeClr val="accent1"/>
-          </a:fillRef>
-          <a:effectRef idx="0">
-            <a:schemeClr val="accent1"/>
-          </a:effectRef>
-          <a:fontRef idx="minor">
-            <a:schemeClr val="tx1"/>
-          </a:fontRef>
-        </p:style>
-      </p:cxnSp>
-      <p:cxnSp>
-        <p:nvCxnSpPr>
-          <p:cNvPr id="44" name="Connector: Elbow 43">
-            <a:extLst>
-              <a:ext uri="{FF2B5EF4-FFF2-40B4-BE49-F238E27FC236}">
-                <a16:creationId xmlns:a16="http://schemas.microsoft.com/office/drawing/2014/main" id="{258355CA-84AD-4E1E-B6CA-C8ABA3B5C4E1}"/>
-              </a:ext>
-            </a:extLst>
-          </p:cNvPr>
-          <p:cNvCxnSpPr>
-            <a:stCxn id="15" idx="2"/>
-            <a:endCxn id="12" idx="2"/>
-          </p:cNvCxnSpPr>
-          <p:nvPr/>
-        </p:nvCxnSpPr>
-        <p:spPr>
-          <a:xfrm rot="5400000" flipH="1">
-            <a:off x="6144194" y="1391931"/>
-            <a:ext cx="2012766" cy="847978"/>
-          </a:xfrm>
-          <a:prstGeom prst="bentConnector5">
+          <a:xfrm flipH="1">
+            <a:off x="6762921" y="1661459"/>
+            <a:ext cx="1" cy="1158246"/>
+          </a:xfrm>
+          <a:prstGeom prst="bentConnector3">
             <a:avLst>
-              <a:gd name="adj1" fmla="val -11358"/>
-              <a:gd name="adj2" fmla="val 837766"/>
-              <a:gd name="adj3" fmla="val 76883"/>
+              <a:gd name="adj1" fmla="val -22860000000"/>
             </a:avLst>
           </a:prstGeom>
           <a:ln>
@@ -4723,16 +4731,16 @@
           <a:p>
             <a:pPr algn="ctr"/>
             <a:r>
-              <a:rPr lang="en-US" sz="1200" dirty="0">
+              <a:rPr lang="en-US" sz="1100" dirty="0">
                 <a:solidFill>
                   <a:schemeClr val="dk1"/>
                 </a:solidFill>
                 <a:latin typeface="Times New Roman" panose="02020603050405020304" pitchFamily="18" charset="0"/>
                 <a:cs typeface="Times New Roman" panose="02020603050405020304" pitchFamily="18" charset="0"/>
               </a:rPr>
-              <a:t>Prepare basic geometry in NX 12</a:t>
-            </a:r>
-            <a:endParaRPr lang="en-ZA" sz="1200" dirty="0">
+              <a:t>1. Prepare basic geometry in NX 12</a:t>
+            </a:r>
+            <a:endParaRPr lang="en-ZA" sz="1100" dirty="0">
               <a:solidFill>
                 <a:schemeClr val="dk1"/>
               </a:solidFill>
@@ -4800,7 +4808,7 @@
                 <a:latin typeface="Times New Roman" panose="02020603050405020304" pitchFamily="18" charset="0"/>
                 <a:cs typeface="Times New Roman" panose="02020603050405020304" pitchFamily="18" charset="0"/>
               </a:rPr>
-              <a:t>Open Siemens NX 12</a:t>
+              <a:t>1.1. Open Siemens NX 12</a:t>
             </a:r>
             <a:endParaRPr lang="en-ZA" sz="1200" dirty="0">
               <a:solidFill>
@@ -4929,7 +4937,7 @@
                 <a:latin typeface="Times New Roman" panose="02020603050405020304" pitchFamily="18" charset="0"/>
                 <a:cs typeface="Times New Roman" panose="02020603050405020304" pitchFamily="18" charset="0"/>
               </a:rPr>
-              <a:t>File &gt; Utilities &gt; Select Bundles &gt; ACD30 &amp; ACD31</a:t>
+              <a:t>1.2. File &gt; Utilities &gt; Select Bundles &gt; ACD30 &amp; ACD31</a:t>
             </a:r>
             <a:endParaRPr lang="en-ZA" sz="1200" dirty="0">
               <a:solidFill>
@@ -4999,7 +5007,7 @@
                 <a:latin typeface="Times New Roman" panose="02020603050405020304" pitchFamily="18" charset="0"/>
                 <a:cs typeface="Times New Roman" panose="02020603050405020304" pitchFamily="18" charset="0"/>
               </a:rPr>
-              <a:t>New &gt; Model</a:t>
+              <a:t>1.3. New &gt; Model</a:t>
             </a:r>
             <a:endParaRPr lang="en-ZA" sz="1200" dirty="0">
               <a:solidFill>
@@ -5069,7 +5077,7 @@
                 <a:latin typeface="Times New Roman" panose="02020603050405020304" pitchFamily="18" charset="0"/>
                 <a:cs typeface="Times New Roman" panose="02020603050405020304" pitchFamily="18" charset="0"/>
               </a:rPr>
-              <a:t>Sketch &gt; XY plane</a:t>
+              <a:t>1.4. Sketch &gt; XY plane</a:t>
             </a:r>
             <a:endParaRPr lang="en-ZA" sz="1200" dirty="0">
               <a:solidFill>
@@ -5139,7 +5147,7 @@
                 <a:latin typeface="Times New Roman" panose="02020603050405020304" pitchFamily="18" charset="0"/>
                 <a:cs typeface="Times New Roman" panose="02020603050405020304" pitchFamily="18" charset="0"/>
               </a:rPr>
-              <a:t>Rectangle &gt; Origin &gt; 5 &gt; 5</a:t>
+              <a:t>1.5. Rectangle &gt; Origin &gt; 5 &gt; 5</a:t>
             </a:r>
             <a:endParaRPr lang="en-ZA" sz="1200" dirty="0">
               <a:solidFill>
@@ -5209,7 +5217,7 @@
                 <a:latin typeface="Times New Roman" panose="02020603050405020304" pitchFamily="18" charset="0"/>
                 <a:cs typeface="Times New Roman" panose="02020603050405020304" pitchFamily="18" charset="0"/>
               </a:rPr>
-              <a:t>Finish Sketch</a:t>
+              <a:t>1.6. Finish Sketch</a:t>
             </a:r>
             <a:endParaRPr lang="en-ZA" sz="1200" dirty="0">
               <a:solidFill>
@@ -5279,7 +5287,7 @@
                 <a:latin typeface="Times New Roman" panose="02020603050405020304" pitchFamily="18" charset="0"/>
                 <a:cs typeface="Times New Roman" panose="02020603050405020304" pitchFamily="18" charset="0"/>
               </a:rPr>
-              <a:t>Save</a:t>
+              <a:t>1.8. Save</a:t>
             </a:r>
             <a:endParaRPr lang="en-ZA" sz="1200" dirty="0">
               <a:solidFill>
@@ -5343,6 +5351,13 @@
             <a:pPr algn="ctr"/>
             <a:r>
               <a:rPr lang="en-US" sz="1200" dirty="0">
+                <a:latin typeface="Times New Roman" panose="02020603050405020304" pitchFamily="18" charset="0"/>
+                <a:cs typeface="Times New Roman" panose="02020603050405020304" pitchFamily="18" charset="0"/>
+              </a:rPr>
+              <a:t>1.7. </a:t>
+            </a:r>
+            <a:r>
+              <a:rPr lang="en-US" sz="1200" dirty="0">
                 <a:solidFill>
                   <a:schemeClr val="dk1"/>
                 </a:solidFill>
@@ -5412,7 +5427,7 @@
                 <a:latin typeface="Times New Roman" panose="02020603050405020304" pitchFamily="18" charset="0"/>
                 <a:cs typeface="Times New Roman" panose="02020603050405020304" pitchFamily="18" charset="0"/>
               </a:rPr>
-              <a:t>File &gt; Export &gt; IGES</a:t>
+              <a:t>1.9. File &gt; Export &gt; IGES</a:t>
             </a:r>
             <a:endParaRPr lang="en-ZA" sz="1200" dirty="0">
               <a:solidFill>
@@ -6621,7 +6636,7 @@
           <a:p>
             <a:pPr algn="ctr"/>
             <a:r>
-              <a:rPr lang="en-US" sz="1200" dirty="0">
+              <a:rPr lang="en-US" sz="1100" dirty="0">
                 <a:solidFill>
                   <a:schemeClr val="dk1"/>
                 </a:solidFill>
@@ -6630,7 +6645,7 @@
               </a:rPr>
               <a:t>Boundary Conditions &gt; New (Structural) &gt; Fixed Displacement</a:t>
             </a:r>
-            <a:endParaRPr lang="en-ZA" sz="1200" dirty="0">
+            <a:endParaRPr lang="en-ZA" sz="1100" dirty="0">
               <a:solidFill>
                 <a:schemeClr val="dk1"/>
               </a:solidFill>
@@ -6764,19 +6779,13 @@
           <a:p>
             <a:pPr algn="ctr"/>
             <a:r>
-              <a:rPr lang="en-US" sz="1200" dirty="0">
-                <a:solidFill>
-                  <a:schemeClr val="dk1"/>
-                </a:solidFill>
+              <a:rPr lang="en-US" sz="1100" dirty="0">
                 <a:latin typeface="Times New Roman" panose="02020603050405020304" pitchFamily="18" charset="0"/>
                 <a:cs typeface="Times New Roman" panose="02020603050405020304" pitchFamily="18" charset="0"/>
               </a:rPr>
-              <a:t>File &gt; Export &gt; IGES</a:t>
-            </a:r>
-            <a:endParaRPr lang="en-ZA" sz="1200" dirty="0">
-              <a:solidFill>
-                <a:schemeClr val="dk1"/>
-              </a:solidFill>
+              <a:t>Boundary Conditions &gt; New (Structural) &gt; Edge Load</a:t>
+            </a:r>
+            <a:endParaRPr lang="en-ZA" sz="1100" dirty="0">
               <a:latin typeface="Times New Roman" panose="02020603050405020304" pitchFamily="18" charset="0"/>
               <a:cs typeface="Times New Roman" panose="02020603050405020304" pitchFamily="18" charset="0"/>
             </a:endParaRPr>
@@ -6797,7 +6806,7 @@
         </p:nvSpPr>
         <p:spPr>
           <a:xfrm>
-            <a:off x="6825839" y="3263568"/>
+            <a:off x="9241869" y="6015157"/>
             <a:ext cx="536895" cy="301752"/>
           </a:xfrm>
           <a:prstGeom prst="flowChartTerminator">
@@ -7122,15 +7131,16 @@
             </a:extLst>
           </p:cNvPr>
           <p:cNvCxnSpPr>
+            <a:cxnSpLocks/>
             <a:stCxn id="43" idx="3"/>
-            <a:endCxn id="45" idx="1"/>
+            <a:endCxn id="31" idx="1"/>
           </p:cNvCxnSpPr>
           <p:nvPr/>
         </p:nvCxnSpPr>
         <p:spPr>
-          <a:xfrm>
-            <a:off x="6329490" y="3414444"/>
-            <a:ext cx="496349" cy="0"/>
+          <a:xfrm flipV="1">
+            <a:off x="6329490" y="3414443"/>
+            <a:ext cx="496349" cy="1"/>
           </a:xfrm>
           <a:prstGeom prst="straightConnector1">
             <a:avLst/>
@@ -7496,6 +7506,229 @@
           </a:p>
         </p:txBody>
       </p:sp>
+      <p:cxnSp>
+        <p:nvCxnSpPr>
+          <p:cNvPr id="27" name="Straight Arrow Connector 26">
+            <a:extLst>
+              <a:ext uri="{FF2B5EF4-FFF2-40B4-BE49-F238E27FC236}">
+                <a16:creationId xmlns:a16="http://schemas.microsoft.com/office/drawing/2014/main" id="{3ABB20B1-D3A2-4E12-A4FF-EEB8F831DD2C}"/>
+              </a:ext>
+            </a:extLst>
+          </p:cNvPr>
+          <p:cNvCxnSpPr>
+            <a:cxnSpLocks/>
+            <a:stCxn id="60" idx="3"/>
+            <a:endCxn id="41" idx="1"/>
+          </p:cNvCxnSpPr>
+          <p:nvPr/>
+        </p:nvCxnSpPr>
+        <p:spPr>
+          <a:xfrm>
+            <a:off x="2467760" y="3414443"/>
+            <a:ext cx="496349" cy="1"/>
+          </a:xfrm>
+          <a:prstGeom prst="straightConnector1">
+            <a:avLst/>
+          </a:prstGeom>
+          <a:ln>
+            <a:solidFill>
+              <a:schemeClr val="tx1"/>
+            </a:solidFill>
+            <a:tailEnd type="triangle"/>
+          </a:ln>
+        </p:spPr>
+        <p:style>
+          <a:lnRef idx="1">
+            <a:schemeClr val="accent1"/>
+          </a:lnRef>
+          <a:fillRef idx="0">
+            <a:schemeClr val="accent1"/>
+          </a:fillRef>
+          <a:effectRef idx="0">
+            <a:schemeClr val="accent1"/>
+          </a:effectRef>
+          <a:fontRef idx="minor">
+            <a:schemeClr val="tx1"/>
+          </a:fontRef>
+        </p:style>
+      </p:cxnSp>
+      <p:sp>
+        <p:nvSpPr>
+          <p:cNvPr id="31" name="Flowchart: Process 30">
+            <a:extLst>
+              <a:ext uri="{FF2B5EF4-FFF2-40B4-BE49-F238E27FC236}">
+                <a16:creationId xmlns:a16="http://schemas.microsoft.com/office/drawing/2014/main" id="{A079EBC7-6A7C-41E7-8079-DF91C0DF16DF}"/>
+              </a:ext>
+            </a:extLst>
+          </p:cNvPr>
+          <p:cNvSpPr/>
+          <p:nvPr/>
+        </p:nvSpPr>
+        <p:spPr>
+          <a:xfrm>
+            <a:off x="6825839" y="3108119"/>
+            <a:ext cx="1434516" cy="612648"/>
+          </a:xfrm>
+          <a:prstGeom prst="flowChartProcess">
+            <a:avLst/>
+          </a:prstGeom>
+          <a:ln>
+            <a:solidFill>
+              <a:schemeClr val="tx1"/>
+            </a:solidFill>
+          </a:ln>
+        </p:spPr>
+        <p:style>
+          <a:lnRef idx="2">
+            <a:schemeClr val="dk1"/>
+          </a:lnRef>
+          <a:fillRef idx="1">
+            <a:schemeClr val="lt1"/>
+          </a:fillRef>
+          <a:effectRef idx="0">
+            <a:schemeClr val="dk1"/>
+          </a:effectRef>
+          <a:fontRef idx="minor">
+            <a:schemeClr val="dk1"/>
+          </a:fontRef>
+        </p:style>
+        <p:txBody>
+          <a:bodyPr rot="0" spcFirstLastPara="0" vertOverflow="overflow" horzOverflow="overflow" vert="horz" wrap="square" lIns="91440" tIns="45720" rIns="91440" bIns="45720" numCol="1" spcCol="0" rtlCol="0" fromWordArt="0" anchor="ctr" anchorCtr="0" forceAA="0" compatLnSpc="1">
+            <a:prstTxWarp prst="textNoShape">
+              <a:avLst/>
+            </a:prstTxWarp>
+            <a:noAutofit/>
+          </a:bodyPr>
+          <a:lstStyle/>
+          <a:p>
+            <a:pPr algn="ctr"/>
+            <a:r>
+              <a:rPr lang="en-US" sz="1100" dirty="0">
+                <a:latin typeface="Times New Roman" panose="02020603050405020304" pitchFamily="18" charset="0"/>
+                <a:cs typeface="Times New Roman" panose="02020603050405020304" pitchFamily="18" charset="0"/>
+              </a:rPr>
+              <a:t>Geometric Properties &gt; New (Structural) &gt; Plane Strain</a:t>
+            </a:r>
+            <a:endParaRPr lang="en-ZA" sz="1100" dirty="0">
+              <a:latin typeface="Times New Roman" panose="02020603050405020304" pitchFamily="18" charset="0"/>
+              <a:cs typeface="Times New Roman" panose="02020603050405020304" pitchFamily="18" charset="0"/>
+            </a:endParaRPr>
+          </a:p>
+        </p:txBody>
+      </p:sp>
+      <p:sp>
+        <p:nvSpPr>
+          <p:cNvPr id="33" name="Flowchart: Process 32">
+            <a:extLst>
+              <a:ext uri="{FF2B5EF4-FFF2-40B4-BE49-F238E27FC236}">
+                <a16:creationId xmlns:a16="http://schemas.microsoft.com/office/drawing/2014/main" id="{4335C4A1-933B-4345-96FE-40A27DB5CF16}"/>
+              </a:ext>
+            </a:extLst>
+          </p:cNvPr>
+          <p:cNvSpPr/>
+          <p:nvPr/>
+        </p:nvSpPr>
+        <p:spPr>
+          <a:xfrm>
+            <a:off x="1033244" y="4144158"/>
+            <a:ext cx="1434516" cy="612648"/>
+          </a:xfrm>
+          <a:prstGeom prst="flowChartProcess">
+            <a:avLst/>
+          </a:prstGeom>
+          <a:ln>
+            <a:solidFill>
+              <a:schemeClr val="tx1"/>
+            </a:solidFill>
+          </a:ln>
+        </p:spPr>
+        <p:style>
+          <a:lnRef idx="2">
+            <a:schemeClr val="dk1"/>
+          </a:lnRef>
+          <a:fillRef idx="1">
+            <a:schemeClr val="lt1"/>
+          </a:fillRef>
+          <a:effectRef idx="0">
+            <a:schemeClr val="dk1"/>
+          </a:effectRef>
+          <a:fontRef idx="minor">
+            <a:schemeClr val="dk1"/>
+          </a:fontRef>
+        </p:style>
+        <p:txBody>
+          <a:bodyPr rot="0" spcFirstLastPara="0" vertOverflow="overflow" horzOverflow="overflow" vert="horz" wrap="square" lIns="91440" tIns="45720" rIns="91440" bIns="45720" numCol="1" spcCol="0" rtlCol="0" fromWordArt="0" anchor="ctr" anchorCtr="0" forceAA="0" compatLnSpc="1">
+            <a:prstTxWarp prst="textNoShape">
+              <a:avLst/>
+            </a:prstTxWarp>
+            <a:noAutofit/>
+          </a:bodyPr>
+          <a:lstStyle/>
+          <a:p>
+            <a:pPr algn="ctr"/>
+            <a:r>
+              <a:rPr lang="en-US" sz="1050" dirty="0">
+                <a:solidFill>
+                  <a:schemeClr val="dk1"/>
+                </a:solidFill>
+                <a:latin typeface="Times New Roman" panose="02020603050405020304" pitchFamily="18" charset="0"/>
+                <a:cs typeface="Times New Roman" panose="02020603050405020304" pitchFamily="18" charset="0"/>
+              </a:rPr>
+              <a:t>Material Properties &gt; New &gt; Finite Stiffness Region &gt; Standard</a:t>
+            </a:r>
+          </a:p>
+        </p:txBody>
+      </p:sp>
+      <p:cxnSp>
+        <p:nvCxnSpPr>
+          <p:cNvPr id="35" name="Connector: Elbow 34">
+            <a:extLst>
+              <a:ext uri="{FF2B5EF4-FFF2-40B4-BE49-F238E27FC236}">
+                <a16:creationId xmlns:a16="http://schemas.microsoft.com/office/drawing/2014/main" id="{AB87914F-91AD-41E8-A56B-21F9D9C71D61}"/>
+              </a:ext>
+            </a:extLst>
+          </p:cNvPr>
+          <p:cNvCxnSpPr>
+            <a:cxnSpLocks/>
+            <a:stCxn id="31" idx="3"/>
+            <a:endCxn id="33" idx="1"/>
+          </p:cNvCxnSpPr>
+          <p:nvPr/>
+        </p:nvCxnSpPr>
+        <p:spPr>
+          <a:xfrm flipH="1">
+            <a:off x="1033244" y="3414443"/>
+            <a:ext cx="7227111" cy="1036039"/>
+          </a:xfrm>
+          <a:prstGeom prst="bentConnector5">
+            <a:avLst>
+              <a:gd name="adj1" fmla="val -3163"/>
+              <a:gd name="adj2" fmla="val 50000"/>
+              <a:gd name="adj3" fmla="val 103163"/>
+            </a:avLst>
+          </a:prstGeom>
+          <a:ln>
+            <a:solidFill>
+              <a:schemeClr val="tx1"/>
+            </a:solidFill>
+            <a:tailEnd type="triangle"/>
+          </a:ln>
+        </p:spPr>
+        <p:style>
+          <a:lnRef idx="1">
+            <a:schemeClr val="accent1"/>
+          </a:lnRef>
+          <a:fillRef idx="0">
+            <a:schemeClr val="accent1"/>
+          </a:fillRef>
+          <a:effectRef idx="0">
+            <a:schemeClr val="accent1"/>
+          </a:effectRef>
+          <a:fontRef idx="minor">
+            <a:schemeClr val="tx1"/>
+          </a:fontRef>
+        </p:style>
+      </p:cxnSp>
     </p:spTree>
     <p:extLst>
       <p:ext uri="{BB962C8B-B14F-4D97-AF65-F5344CB8AC3E}">
